--- a/引擎沿革.pptx
+++ b/引擎沿革.pptx
@@ -244,7 +244,7 @@
           <a:p>
             <a:fld id="{08C90766-89C5-48FA-9E1C-F74750F8CE90}" type="datetimeFigureOut">
               <a:rPr lang="zh-CN" altLang="en-US" smtClean="0"/>
-              <a:t>2016/4/3</a:t>
+              <a:t>2016/4/3 Sunday</a:t>
             </a:fld>
             <a:endParaRPr lang="zh-CN" altLang="en-US"/>
           </a:p>
@@ -414,7 +414,7 @@
           <a:p>
             <a:fld id="{08C90766-89C5-48FA-9E1C-F74750F8CE90}" type="datetimeFigureOut">
               <a:rPr lang="zh-CN" altLang="en-US" smtClean="0"/>
-              <a:t>2016/4/3</a:t>
+              <a:t>2016/4/3 Sunday</a:t>
             </a:fld>
             <a:endParaRPr lang="zh-CN" altLang="en-US"/>
           </a:p>
@@ -594,7 +594,7 @@
           <a:p>
             <a:fld id="{08C90766-89C5-48FA-9E1C-F74750F8CE90}" type="datetimeFigureOut">
               <a:rPr lang="zh-CN" altLang="en-US" smtClean="0"/>
-              <a:t>2016/4/3</a:t>
+              <a:t>2016/4/3 Sunday</a:t>
             </a:fld>
             <a:endParaRPr lang="zh-CN" altLang="en-US"/>
           </a:p>
@@ -764,7 +764,7 @@
           <a:p>
             <a:fld id="{08C90766-89C5-48FA-9E1C-F74750F8CE90}" type="datetimeFigureOut">
               <a:rPr lang="zh-CN" altLang="en-US" smtClean="0"/>
-              <a:t>2016/4/3</a:t>
+              <a:t>2016/4/3 Sunday</a:t>
             </a:fld>
             <a:endParaRPr lang="zh-CN" altLang="en-US"/>
           </a:p>
@@ -1010,7 +1010,7 @@
           <a:p>
             <a:fld id="{08C90766-89C5-48FA-9E1C-F74750F8CE90}" type="datetimeFigureOut">
               <a:rPr lang="zh-CN" altLang="en-US" smtClean="0"/>
-              <a:t>2016/4/3</a:t>
+              <a:t>2016/4/3 Sunday</a:t>
             </a:fld>
             <a:endParaRPr lang="zh-CN" altLang="en-US"/>
           </a:p>
@@ -1242,7 +1242,7 @@
           <a:p>
             <a:fld id="{08C90766-89C5-48FA-9E1C-F74750F8CE90}" type="datetimeFigureOut">
               <a:rPr lang="zh-CN" altLang="en-US" smtClean="0"/>
-              <a:t>2016/4/3</a:t>
+              <a:t>2016/4/3 Sunday</a:t>
             </a:fld>
             <a:endParaRPr lang="zh-CN" altLang="en-US"/>
           </a:p>
@@ -1609,7 +1609,7 @@
           <a:p>
             <a:fld id="{08C90766-89C5-48FA-9E1C-F74750F8CE90}" type="datetimeFigureOut">
               <a:rPr lang="zh-CN" altLang="en-US" smtClean="0"/>
-              <a:t>2016/4/3</a:t>
+              <a:t>2016/4/3 Sunday</a:t>
             </a:fld>
             <a:endParaRPr lang="zh-CN" altLang="en-US"/>
           </a:p>
@@ -1727,7 +1727,7 @@
           <a:p>
             <a:fld id="{08C90766-89C5-48FA-9E1C-F74750F8CE90}" type="datetimeFigureOut">
               <a:rPr lang="zh-CN" altLang="en-US" smtClean="0"/>
-              <a:t>2016/4/3</a:t>
+              <a:t>2016/4/3 Sunday</a:t>
             </a:fld>
             <a:endParaRPr lang="zh-CN" altLang="en-US"/>
           </a:p>
@@ -1822,7 +1822,7 @@
           <a:p>
             <a:fld id="{08C90766-89C5-48FA-9E1C-F74750F8CE90}" type="datetimeFigureOut">
               <a:rPr lang="zh-CN" altLang="en-US" smtClean="0"/>
-              <a:t>2016/4/3</a:t>
+              <a:t>2016/4/3 Sunday</a:t>
             </a:fld>
             <a:endParaRPr lang="zh-CN" altLang="en-US"/>
           </a:p>
@@ -2099,7 +2099,7 @@
           <a:p>
             <a:fld id="{08C90766-89C5-48FA-9E1C-F74750F8CE90}" type="datetimeFigureOut">
               <a:rPr lang="zh-CN" altLang="en-US" smtClean="0"/>
-              <a:t>2016/4/3</a:t>
+              <a:t>2016/4/3 Sunday</a:t>
             </a:fld>
             <a:endParaRPr lang="zh-CN" altLang="en-US"/>
           </a:p>
@@ -2352,7 +2352,7 @@
           <a:p>
             <a:fld id="{08C90766-89C5-48FA-9E1C-F74750F8CE90}" type="datetimeFigureOut">
               <a:rPr lang="zh-CN" altLang="en-US" smtClean="0"/>
-              <a:t>2016/4/3</a:t>
+              <a:t>2016/4/3 Sunday</a:t>
             </a:fld>
             <a:endParaRPr lang="zh-CN" altLang="en-US"/>
           </a:p>
@@ -2565,7 +2565,7 @@
           <a:p>
             <a:fld id="{08C90766-89C5-48FA-9E1C-F74750F8CE90}" type="datetimeFigureOut">
               <a:rPr lang="zh-CN" altLang="en-US" smtClean="0"/>
-              <a:t>2016/4/3</a:t>
+              <a:t>2016/4/3 Sunday</a:t>
             </a:fld>
             <a:endParaRPr lang="zh-CN" altLang="en-US"/>
           </a:p>
@@ -3408,7 +3408,7 @@
         <p:spPr>
           <a:xfrm>
             <a:off x="2999852" y="4571863"/>
-            <a:ext cx="671979" cy="369332"/>
+            <a:ext cx="950388" cy="369332"/>
           </a:xfrm>
           <a:prstGeom prst="rect">
             <a:avLst/>
@@ -3429,7 +3429,7 @@
                 <a:latin typeface="Cambria Math" panose="02040503050406030204" pitchFamily="18" charset="0"/>
                 <a:ea typeface="Cambria Math" panose="02040503050406030204" pitchFamily="18" charset="0"/>
               </a:rPr>
-              <a:t>jylua</a:t>
+              <a:t>jysdllua</a:t>
             </a:r>
             <a:endParaRPr lang="zh-CN" altLang="en-US" dirty="0">
               <a:solidFill>
@@ -3658,8 +3658,8 @@
         </p:nvSpPr>
         <p:spPr>
           <a:xfrm>
-            <a:off x="4148079" y="5514274"/>
-            <a:ext cx="548548" cy="369332"/>
+            <a:off x="3900989" y="5514057"/>
+            <a:ext cx="1012521" cy="369332"/>
           </a:xfrm>
           <a:prstGeom prst="rect">
             <a:avLst/>
@@ -3672,6 +3672,20 @@
           </a:bodyPr>
           <a:lstStyle/>
           <a:p>
+            <a:r>
+              <a:rPr lang="zh-CN" altLang="en-US" u="sng" dirty="0" smtClean="0">
+                <a:latin typeface="Cambria Math" panose="02040503050406030204" pitchFamily="18" charset="0"/>
+                <a:ea typeface="Cambria Math" panose="02040503050406030204" pitchFamily="18" charset="0"/>
+              </a:rPr>
+              <a:t>猪</a:t>
+            </a:r>
+            <a:r>
+              <a:rPr lang="en-US" altLang="zh-CN" u="sng" dirty="0" smtClean="0">
+                <a:latin typeface="Cambria Math" panose="02040503050406030204" pitchFamily="18" charset="0"/>
+                <a:ea typeface="Cambria Math" panose="02040503050406030204" pitchFamily="18" charset="0"/>
+              </a:rPr>
+              <a:t>4/</a:t>
+            </a:r>
             <a:r>
               <a:rPr lang="en-US" altLang="zh-CN" u="sng" dirty="0" err="1" smtClean="0">
                 <a:latin typeface="Cambria Math" panose="02040503050406030204" pitchFamily="18" charset="0"/>
@@ -3747,8 +3761,8 @@
         </p:nvCxnSpPr>
         <p:spPr>
           <a:xfrm flipV="1">
-            <a:off x="3671831" y="4607515"/>
-            <a:ext cx="566071" cy="149014"/>
+            <a:off x="3950240" y="4607515"/>
+            <a:ext cx="287662" cy="149014"/>
           </a:xfrm>
           <a:prstGeom prst="straightConnector1">
             <a:avLst/>
@@ -3772,81 +3786,6 @@
           </a:fontRef>
         </p:style>
       </p:cxnSp>
-      <p:cxnSp>
-        <p:nvCxnSpPr>
-          <p:cNvPr id="34" name="直接箭头连接符 33"/>
-          <p:cNvCxnSpPr/>
-          <p:nvPr/>
-        </p:nvCxnSpPr>
-        <p:spPr>
-          <a:xfrm>
-            <a:off x="3299593" y="5043275"/>
-            <a:ext cx="308916" cy="430565"/>
-          </a:xfrm>
-          <a:prstGeom prst="straightConnector1">
-            <a:avLst/>
-          </a:prstGeom>
-          <a:ln>
-            <a:tailEnd type="triangle"/>
-          </a:ln>
-        </p:spPr>
-        <p:style>
-          <a:lnRef idx="1">
-            <a:schemeClr val="accent1"/>
-          </a:lnRef>
-          <a:fillRef idx="0">
-            <a:schemeClr val="accent1"/>
-          </a:fillRef>
-          <a:effectRef idx="0">
-            <a:schemeClr val="accent1"/>
-          </a:effectRef>
-          <a:fontRef idx="minor">
-            <a:schemeClr val="tx1"/>
-          </a:fontRef>
-        </p:style>
-      </p:cxnSp>
-      <p:sp>
-        <p:nvSpPr>
-          <p:cNvPr id="37" name="文本框 36"/>
-          <p:cNvSpPr txBox="1"/>
-          <p:nvPr/>
-        </p:nvSpPr>
-        <p:spPr>
-          <a:xfrm>
-            <a:off x="3314430" y="5514274"/>
-            <a:ext cx="646331" cy="369332"/>
-          </a:xfrm>
-          <a:prstGeom prst="rect">
-            <a:avLst/>
-          </a:prstGeom>
-          <a:noFill/>
-        </p:spPr>
-        <p:txBody>
-          <a:bodyPr wrap="none" rtlCol="0">
-            <a:spAutoFit/>
-          </a:bodyPr>
-          <a:lstStyle/>
-          <a:p>
-            <a:r>
-              <a:rPr lang="zh-CN" altLang="en-US" dirty="0" smtClean="0">
-                <a:solidFill>
-                  <a:srgbClr val="FF0000"/>
-                </a:solidFill>
-                <a:latin typeface="Cambria Math" panose="02040503050406030204" pitchFamily="18" charset="0"/>
-                <a:ea typeface="苹方 中等" panose="020B0400000000000000" pitchFamily="34" charset="-122"/>
-              </a:rPr>
-              <a:t>滑冰</a:t>
-            </a:r>
-            <a:endParaRPr lang="zh-CN" altLang="en-US" dirty="0">
-              <a:solidFill>
-                <a:srgbClr val="FF0000"/>
-              </a:solidFill>
-              <a:latin typeface="Cambria Math" panose="02040503050406030204" pitchFamily="18" charset="0"/>
-              <a:ea typeface="苹方 中等" panose="020B0400000000000000" pitchFamily="34" charset="-122"/>
-            </a:endParaRPr>
-          </a:p>
-        </p:txBody>
-      </p:sp>
       <p:sp>
         <p:nvSpPr>
           <p:cNvPr id="41" name="文本框 40"/>
@@ -4408,7 +4347,7 @@
         <p:spPr>
           <a:xfrm>
             <a:off x="9213253" y="1998681"/>
-            <a:ext cx="2646878" cy="1077218"/>
+            <a:ext cx="2646878" cy="1323439"/>
           </a:xfrm>
           <a:prstGeom prst="rect">
             <a:avLst/>
@@ -4562,7 +4501,104 @@
                 <a:latin typeface="Cambria Math" panose="02040503050406030204" pitchFamily="18" charset="0"/>
                 <a:ea typeface="苹方 中等" panose="020B0400000000000000" pitchFamily="34" charset="-122"/>
               </a:rPr>
-              <a:t>斜体表示剧情基于苍龙逐日</a:t>
+              <a:t>斜体表示剧情基于苍龙</a:t>
+            </a:r>
+            <a:r>
+              <a:rPr lang="zh-CN" altLang="en-US" sz="1600" i="1" dirty="0" smtClean="0">
+                <a:effectLst>
+                  <a:outerShdw blurRad="38100" dist="38100" dir="2700000" algn="tl">
+                    <a:srgbClr val="000000">
+                      <a:alpha val="43137"/>
+                    </a:srgbClr>
+                  </a:outerShdw>
+                </a:effectLst>
+                <a:latin typeface="Cambria Math" panose="02040503050406030204" pitchFamily="18" charset="0"/>
+                <a:ea typeface="苹方 中等" panose="020B0400000000000000" pitchFamily="34" charset="-122"/>
+              </a:rPr>
+              <a:t>逐日</a:t>
+            </a:r>
+            <a:endParaRPr lang="en-US" altLang="zh-CN" sz="1600" i="1" dirty="0" smtClean="0">
+              <a:effectLst>
+                <a:outerShdw blurRad="38100" dist="38100" dir="2700000" algn="tl">
+                  <a:srgbClr val="000000">
+                    <a:alpha val="43137"/>
+                  </a:srgbClr>
+                </a:outerShdw>
+              </a:effectLst>
+              <a:latin typeface="Cambria Math" panose="02040503050406030204" pitchFamily="18" charset="0"/>
+              <a:ea typeface="苹方 中等" panose="020B0400000000000000" pitchFamily="34" charset="-122"/>
+            </a:endParaRPr>
+          </a:p>
+          <a:p>
+            <a:r>
+              <a:rPr lang="zh-CN" altLang="en-US" sz="1600" i="1" dirty="0" smtClean="0">
+                <a:effectLst>
+                  <a:outerShdw blurRad="38100" dist="38100" dir="2700000" algn="tl">
+                    <a:srgbClr val="000000">
+                      <a:alpha val="43137"/>
+                    </a:srgbClr>
+                  </a:outerShdw>
+                </a:effectLst>
+                <a:latin typeface="Cambria Math" panose="02040503050406030204" pitchFamily="18" charset="0"/>
+                <a:ea typeface="苹方 中等" panose="020B0400000000000000" pitchFamily="34" charset="-122"/>
+              </a:rPr>
+              <a:t>猪</a:t>
+            </a:r>
+            <a:r>
+              <a:rPr lang="en-US" altLang="zh-CN" sz="1600" i="1" dirty="0" smtClean="0">
+                <a:effectLst>
+                  <a:outerShdw blurRad="38100" dist="38100" dir="2700000" algn="tl">
+                    <a:srgbClr val="000000">
+                      <a:alpha val="43137"/>
+                    </a:srgbClr>
+                  </a:outerShdw>
+                </a:effectLst>
+                <a:latin typeface="Cambria Math" panose="02040503050406030204" pitchFamily="18" charset="0"/>
+                <a:ea typeface="苹方 中等" panose="020B0400000000000000" pitchFamily="34" charset="-122"/>
+              </a:rPr>
+              <a:t>4</a:t>
+            </a:r>
+            <a:r>
+              <a:rPr lang="zh-CN" altLang="en-US" sz="1600" i="1" dirty="0" smtClean="0">
+                <a:effectLst>
+                  <a:outerShdw blurRad="38100" dist="38100" dir="2700000" algn="tl">
+                    <a:srgbClr val="000000">
+                      <a:alpha val="43137"/>
+                    </a:srgbClr>
+                  </a:outerShdw>
+                </a:effectLst>
+                <a:latin typeface="Cambria Math" panose="02040503050406030204" pitchFamily="18" charset="0"/>
+                <a:ea typeface="苹方 中等" panose="020B0400000000000000" pitchFamily="34" charset="-122"/>
+              </a:rPr>
+              <a:t>和</a:t>
+            </a:r>
+            <a:r>
+              <a:rPr lang="en-US" altLang="zh-CN" sz="1600" i="1" dirty="0" err="1" smtClean="0">
+                <a:effectLst>
+                  <a:outerShdw blurRad="38100" dist="38100" dir="2700000" algn="tl">
+                    <a:srgbClr val="000000">
+                      <a:alpha val="43137"/>
+                    </a:srgbClr>
+                  </a:outerShdw>
+                </a:effectLst>
+                <a:latin typeface="Cambria Math" panose="02040503050406030204" pitchFamily="18" charset="0"/>
+                <a:ea typeface="苹方 中等" panose="020B0400000000000000" pitchFamily="34" charset="-122"/>
+              </a:rPr>
+              <a:t>jyol</a:t>
+            </a:r>
+            <a:r>
+              <a:rPr lang="zh-CN" altLang="en-US" sz="1600" i="1" dirty="0" smtClean="0">
+                <a:effectLst>
+                  <a:outerShdw blurRad="38100" dist="38100" dir="2700000" algn="tl">
+                    <a:srgbClr val="000000">
+                      <a:alpha val="43137"/>
+                    </a:srgbClr>
+                  </a:outerShdw>
+                </a:effectLst>
+                <a:latin typeface="Cambria Math" panose="02040503050406030204" pitchFamily="18" charset="0"/>
+                <a:ea typeface="苹方 中等" panose="020B0400000000000000" pitchFamily="34" charset="-122"/>
+              </a:rPr>
+              <a:t>引擎架构完全相同</a:t>
             </a:r>
             <a:endParaRPr lang="en-US" altLang="zh-CN" sz="1600" i="1" dirty="0" smtClean="0">
               <a:effectLst>
@@ -4891,9 +4927,9 @@
           <p:nvPr/>
         </p:nvCxnSpPr>
         <p:spPr>
-          <a:xfrm flipH="1">
-            <a:off x="4410666" y="5883606"/>
-            <a:ext cx="11687" cy="388413"/>
+          <a:xfrm>
+            <a:off x="4407250" y="5883389"/>
+            <a:ext cx="3416" cy="388630"/>
           </a:xfrm>
           <a:prstGeom prst="straightConnector1">
             <a:avLst/>
@@ -4961,16 +4997,16 @@
       </p:sp>
       <p:cxnSp>
         <p:nvCxnSpPr>
-          <p:cNvPr id="49" name="直接箭头连接符 48"/>
+          <p:cNvPr id="47" name="直接箭头连接符 46"/>
           <p:cNvCxnSpPr>
-            <a:endCxn id="21" idx="0"/>
+            <a:endCxn id="43" idx="1"/>
           </p:cNvCxnSpPr>
           <p:nvPr/>
         </p:nvCxnSpPr>
         <p:spPr>
-          <a:xfrm flipH="1">
-            <a:off x="4907316" y="3699015"/>
-            <a:ext cx="450422" cy="723834"/>
+          <a:xfrm>
+            <a:off x="1774582" y="5201181"/>
+            <a:ext cx="2231774" cy="1255504"/>
           </a:xfrm>
           <a:prstGeom prst="straightConnector1">
             <a:avLst/>
@@ -4996,14 +5032,14 @@
       </p:cxnSp>
       <p:cxnSp>
         <p:nvCxnSpPr>
-          <p:cNvPr id="67" name="直接箭头连接符 66"/>
+          <p:cNvPr id="50" name="直接箭头连接符 49"/>
           <p:cNvCxnSpPr/>
           <p:nvPr/>
         </p:nvCxnSpPr>
         <p:spPr>
-          <a:xfrm flipH="1">
-            <a:off x="2797295" y="5011063"/>
-            <a:ext cx="389196" cy="459999"/>
+          <a:xfrm>
+            <a:off x="5099240" y="4832164"/>
+            <a:ext cx="423337" cy="688932"/>
           </a:xfrm>
           <a:prstGeom prst="straightConnector1">
             <a:avLst/>
@@ -5029,14 +5065,14 @@
       </p:cxnSp>
       <p:sp>
         <p:nvSpPr>
-          <p:cNvPr id="68" name="文本框 67"/>
+          <p:cNvPr id="53" name="文本框 52"/>
           <p:cNvSpPr txBox="1"/>
           <p:nvPr/>
         </p:nvSpPr>
         <p:spPr>
           <a:xfrm>
-            <a:off x="1604918" y="5538190"/>
-            <a:ext cx="1569660" cy="369332"/>
+            <a:off x="5207670" y="5561079"/>
+            <a:ext cx="646331" cy="369332"/>
           </a:xfrm>
           <a:prstGeom prst="rect">
             <a:avLst/>
@@ -5050,21 +5086,15 @@
           <a:lstStyle/>
           <a:p>
             <a:r>
-              <a:rPr lang="zh-CN" altLang="en-US" dirty="0" smtClean="0">
-                <a:solidFill>
-                  <a:srgbClr val="FF0000"/>
-                </a:solidFill>
-                <a:latin typeface="Cambria Math" panose="02040503050406030204" pitchFamily="18" charset="0"/>
-                <a:ea typeface="苹方 中等" panose="020B0400000000000000" pitchFamily="34" charset="-122"/>
-              </a:rPr>
-              <a:t>三国志英杰传</a:t>
-            </a:r>
-            <a:endParaRPr lang="zh-CN" altLang="en-US" dirty="0">
-              <a:solidFill>
-                <a:srgbClr val="FF0000"/>
-              </a:solidFill>
+              <a:rPr lang="zh-CN" altLang="en-US" u="sng" dirty="0" smtClean="0">
+                <a:latin typeface="Cambria Math" panose="02040503050406030204" pitchFamily="18" charset="0"/>
+                <a:ea typeface="Cambria Math" panose="02040503050406030204" pitchFamily="18" charset="0"/>
+              </a:rPr>
+              <a:t>滑冰</a:t>
+            </a:r>
+            <a:endParaRPr lang="en-US" altLang="zh-CN" u="sng" dirty="0" smtClean="0">
               <a:latin typeface="Cambria Math" panose="02040503050406030204" pitchFamily="18" charset="0"/>
-              <a:ea typeface="苹方 中等" panose="020B0400000000000000" pitchFamily="34" charset="-122"/>
+              <a:ea typeface="Cambria Math" panose="02040503050406030204" pitchFamily="18" charset="0"/>
             </a:endParaRPr>
           </a:p>
         </p:txBody>
@@ -5107,7 +5137,7 @@
         </p:nvSpPr>
         <p:spPr>
           <a:xfrm>
-            <a:off x="5639409" y="976903"/>
+            <a:off x="7476522" y="910401"/>
             <a:ext cx="3185487" cy="2862322"/>
           </a:xfrm>
           <a:prstGeom prst="rect">
@@ -5365,17 +5395,7 @@
                 <a:latin typeface="Cambria Math" panose="02040503050406030204" pitchFamily="18" charset="0"/>
                 <a:ea typeface="苹方 中等" panose="020B0400000000000000" pitchFamily="34" charset="-122"/>
               </a:rPr>
-              <a:t>凶恶群侠</a:t>
-            </a:r>
-            <a:r>
-              <a:rPr lang="zh-CN" altLang="en-US" dirty="0" smtClean="0">
-                <a:solidFill>
-                  <a:srgbClr val="FF0000"/>
-                </a:solidFill>
-                <a:latin typeface="Cambria Math" panose="02040503050406030204" pitchFamily="18" charset="0"/>
-                <a:ea typeface="苹方 中等" panose="020B0400000000000000" pitchFamily="34" charset="-122"/>
-              </a:rPr>
-              <a:t>传</a:t>
+              <a:t>凶恶群侠传</a:t>
             </a:r>
             <a:endParaRPr lang="en-US" altLang="zh-CN" dirty="0" smtClean="0">
               <a:solidFill>
@@ -5569,6 +5589,455 @@
                 <a:ea typeface="苹方 中等" panose="020B0400000000000000" pitchFamily="34" charset="-122"/>
               </a:rPr>
               <a:t>倚天剑</a:t>
+            </a:r>
+            <a:endParaRPr lang="zh-CN" altLang="en-US" dirty="0">
+              <a:solidFill>
+                <a:srgbClr val="FF0000"/>
+              </a:solidFill>
+              <a:latin typeface="Cambria Math" panose="02040503050406030204" pitchFamily="18" charset="0"/>
+              <a:ea typeface="苹方 中等" panose="020B0400000000000000" pitchFamily="34" charset="-122"/>
+            </a:endParaRPr>
+          </a:p>
+        </p:txBody>
+      </p:sp>
+      <p:sp>
+        <p:nvSpPr>
+          <p:cNvPr id="7" name="文本框 6"/>
+          <p:cNvSpPr txBox="1"/>
+          <p:nvPr/>
+        </p:nvSpPr>
+        <p:spPr>
+          <a:xfrm>
+            <a:off x="1135353" y="2341562"/>
+            <a:ext cx="5789148" cy="3416320"/>
+          </a:xfrm>
+          <a:prstGeom prst="rect">
+            <a:avLst/>
+          </a:prstGeom>
+          <a:noFill/>
+          <a:ln>
+            <a:solidFill>
+              <a:srgbClr val="FF0000"/>
+            </a:solidFill>
+          </a:ln>
+        </p:spPr>
+        <p:txBody>
+          <a:bodyPr wrap="square" rtlCol="0">
+            <a:spAutoFit/>
+          </a:bodyPr>
+          <a:lstStyle/>
+          <a:p>
+            <a:r>
+              <a:rPr lang="en-US" altLang="zh-CN" dirty="0" err="1" smtClean="0">
+                <a:solidFill>
+                  <a:srgbClr val="FF0000"/>
+                </a:solidFill>
+                <a:latin typeface="Cambria Math" panose="02040503050406030204" pitchFamily="18" charset="0"/>
+                <a:ea typeface="Cambria Math" panose="02040503050406030204" pitchFamily="18" charset="0"/>
+              </a:rPr>
+              <a:t>Sfe</a:t>
+            </a:r>
+            <a:r>
+              <a:rPr lang="zh-CN" altLang="en-US" dirty="0" smtClean="0">
+                <a:solidFill>
+                  <a:srgbClr val="FF0000"/>
+                </a:solidFill>
+                <a:latin typeface="Cambria Math" panose="02040503050406030204" pitchFamily="18" charset="0"/>
+                <a:ea typeface="Cambria Math" panose="02040503050406030204" pitchFamily="18" charset="0"/>
+              </a:rPr>
+              <a:t>发展史</a:t>
+            </a:r>
+            <a:endParaRPr lang="en-US" altLang="zh-CN" dirty="0" smtClean="0">
+              <a:solidFill>
+                <a:srgbClr val="FF0000"/>
+              </a:solidFill>
+              <a:latin typeface="Cambria Math" panose="02040503050406030204" pitchFamily="18" charset="0"/>
+              <a:ea typeface="Cambria Math" panose="02040503050406030204" pitchFamily="18" charset="0"/>
+            </a:endParaRPr>
+          </a:p>
+          <a:p>
+            <a:r>
+              <a:rPr lang="en-US" altLang="zh-CN" dirty="0" smtClean="0">
+                <a:solidFill>
+                  <a:srgbClr val="FF0000"/>
+                </a:solidFill>
+                <a:latin typeface="Cambria Math" panose="02040503050406030204" pitchFamily="18" charset="0"/>
+                <a:ea typeface="Cambria Math" panose="02040503050406030204" pitchFamily="18" charset="0"/>
+              </a:rPr>
+              <a:t>0.72.1		</a:t>
+            </a:r>
+            <a:r>
+              <a:rPr lang="zh-CN" altLang="en-US" dirty="0" smtClean="0">
+                <a:solidFill>
+                  <a:srgbClr val="FF0000"/>
+                </a:solidFill>
+                <a:latin typeface="Cambria Math" panose="02040503050406030204" pitchFamily="18" charset="0"/>
+                <a:ea typeface="Cambria Math" panose="02040503050406030204" pitchFamily="18" charset="0"/>
+              </a:rPr>
+              <a:t>魏征版</a:t>
+            </a:r>
+            <a:endParaRPr lang="en-US" altLang="zh-CN" dirty="0" smtClean="0">
+              <a:solidFill>
+                <a:srgbClr val="FF0000"/>
+              </a:solidFill>
+              <a:latin typeface="Cambria Math" panose="02040503050406030204" pitchFamily="18" charset="0"/>
+              <a:ea typeface="Cambria Math" panose="02040503050406030204" pitchFamily="18" charset="0"/>
+            </a:endParaRPr>
+          </a:p>
+          <a:p>
+            <a:r>
+              <a:rPr lang="en-US" altLang="zh-CN" dirty="0" smtClean="0">
+                <a:solidFill>
+                  <a:srgbClr val="FF0000"/>
+                </a:solidFill>
+                <a:latin typeface="Cambria Math" panose="02040503050406030204" pitchFamily="18" charset="0"/>
+                <a:ea typeface="Cambria Math" panose="02040503050406030204" pitchFamily="18" charset="0"/>
+              </a:rPr>
+              <a:t>0.72.15		</a:t>
+            </a:r>
+            <a:r>
+              <a:rPr lang="zh-CN" altLang="en-US" dirty="0" smtClean="0">
+                <a:solidFill>
+                  <a:srgbClr val="FF0000"/>
+                </a:solidFill>
+                <a:latin typeface="Cambria Math" panose="02040503050406030204" pitchFamily="18" charset="0"/>
+                <a:ea typeface="Cambria Math" panose="02040503050406030204" pitchFamily="18" charset="0"/>
+              </a:rPr>
+              <a:t>第一次公开发布</a:t>
+            </a:r>
+            <a:endParaRPr lang="en-US" altLang="zh-CN" dirty="0" smtClean="0">
+              <a:solidFill>
+                <a:srgbClr val="FF0000"/>
+              </a:solidFill>
+              <a:latin typeface="Cambria Math" panose="02040503050406030204" pitchFamily="18" charset="0"/>
+              <a:ea typeface="Cambria Math" panose="02040503050406030204" pitchFamily="18" charset="0"/>
+            </a:endParaRPr>
+          </a:p>
+          <a:p>
+            <a:r>
+              <a:rPr lang="en-US" altLang="zh-CN" dirty="0" smtClean="0">
+                <a:solidFill>
+                  <a:srgbClr val="FF0000"/>
+                </a:solidFill>
+                <a:latin typeface="Cambria Math" panose="02040503050406030204" pitchFamily="18" charset="0"/>
+                <a:ea typeface="Cambria Math" panose="02040503050406030204" pitchFamily="18" charset="0"/>
+              </a:rPr>
+              <a:t>0.72.16		</a:t>
+            </a:r>
+            <a:r>
+              <a:rPr lang="zh-CN" altLang="en-US" dirty="0" smtClean="0">
+                <a:solidFill>
+                  <a:srgbClr val="FF0000"/>
+                </a:solidFill>
+                <a:latin typeface="Cambria Math" panose="02040503050406030204" pitchFamily="18" charset="0"/>
+                <a:ea typeface="Cambria Math" panose="02040503050406030204" pitchFamily="18" charset="0"/>
+              </a:rPr>
+              <a:t>无针对</a:t>
+            </a:r>
+            <a:r>
+              <a:rPr lang="en-US" altLang="zh-CN" dirty="0" smtClean="0">
+                <a:solidFill>
+                  <a:srgbClr val="FF0000"/>
+                </a:solidFill>
+                <a:latin typeface="Cambria Math" panose="02040503050406030204" pitchFamily="18" charset="0"/>
+                <a:ea typeface="Cambria Math" panose="02040503050406030204" pitchFamily="18" charset="0"/>
+              </a:rPr>
+              <a:t>mod</a:t>
+            </a:r>
+            <a:r>
+              <a:rPr lang="zh-CN" altLang="en-US" dirty="0" smtClean="0">
+                <a:solidFill>
+                  <a:srgbClr val="FF0000"/>
+                </a:solidFill>
+                <a:latin typeface="Cambria Math" panose="02040503050406030204" pitchFamily="18" charset="0"/>
+                <a:ea typeface="Cambria Math" panose="02040503050406030204" pitchFamily="18" charset="0"/>
+              </a:rPr>
+              <a:t>，开始支持前传初版</a:t>
+            </a:r>
+            <a:endParaRPr lang="en-US" altLang="zh-CN" dirty="0" smtClean="0">
+              <a:solidFill>
+                <a:srgbClr val="FF0000"/>
+              </a:solidFill>
+              <a:latin typeface="Cambria Math" panose="02040503050406030204" pitchFamily="18" charset="0"/>
+              <a:ea typeface="Cambria Math" panose="02040503050406030204" pitchFamily="18" charset="0"/>
+            </a:endParaRPr>
+          </a:p>
+          <a:p>
+            <a:r>
+              <a:rPr lang="en-US" altLang="zh-CN" dirty="0" smtClean="0">
+                <a:solidFill>
+                  <a:srgbClr val="FF0000"/>
+                </a:solidFill>
+                <a:latin typeface="Cambria Math" panose="02040503050406030204" pitchFamily="18" charset="0"/>
+                <a:ea typeface="Cambria Math" panose="02040503050406030204" pitchFamily="18" charset="0"/>
+              </a:rPr>
+              <a:t>0.72.16sp1	</a:t>
+            </a:r>
+            <a:r>
+              <a:rPr lang="zh-CN" altLang="en-US" dirty="0" smtClean="0">
+                <a:solidFill>
+                  <a:srgbClr val="FF0000"/>
+                </a:solidFill>
+                <a:latin typeface="Cambria Math" panose="02040503050406030204" pitchFamily="18" charset="0"/>
+                <a:ea typeface="Cambria Math" panose="02040503050406030204" pitchFamily="18" charset="0"/>
+              </a:rPr>
+              <a:t>群芳谱</a:t>
+            </a:r>
+            <a:endParaRPr lang="en-US" altLang="zh-CN" dirty="0" smtClean="0">
+              <a:solidFill>
+                <a:srgbClr val="FF0000"/>
+              </a:solidFill>
+              <a:latin typeface="Cambria Math" panose="02040503050406030204" pitchFamily="18" charset="0"/>
+              <a:ea typeface="Cambria Math" panose="02040503050406030204" pitchFamily="18" charset="0"/>
+            </a:endParaRPr>
+          </a:p>
+          <a:p>
+            <a:r>
+              <a:rPr lang="en-US" altLang="zh-CN" dirty="0" smtClean="0">
+                <a:solidFill>
+                  <a:srgbClr val="FF0000"/>
+                </a:solidFill>
+                <a:latin typeface="Cambria Math" panose="02040503050406030204" pitchFamily="18" charset="0"/>
+                <a:ea typeface="Cambria Math" panose="02040503050406030204" pitchFamily="18" charset="0"/>
+              </a:rPr>
+              <a:t>0.72.17		</a:t>
+            </a:r>
+            <a:r>
+              <a:rPr lang="zh-CN" altLang="en-US" dirty="0" smtClean="0">
+                <a:solidFill>
+                  <a:srgbClr val="FF0000"/>
+                </a:solidFill>
+                <a:latin typeface="Cambria Math" panose="02040503050406030204" pitchFamily="18" charset="0"/>
+                <a:ea typeface="Cambria Math" panose="02040503050406030204" pitchFamily="18" charset="0"/>
+              </a:rPr>
+              <a:t>删除对</a:t>
+            </a:r>
+            <a:r>
+              <a:rPr lang="en-US" altLang="zh-CN" dirty="0" smtClean="0">
+                <a:solidFill>
+                  <a:srgbClr val="FF0000"/>
+                </a:solidFill>
+                <a:latin typeface="Cambria Math" panose="02040503050406030204" pitchFamily="18" charset="0"/>
+                <a:ea typeface="Cambria Math" panose="02040503050406030204" pitchFamily="18" charset="0"/>
+              </a:rPr>
+              <a:t>dos</a:t>
+            </a:r>
+            <a:r>
+              <a:rPr lang="zh-CN" altLang="en-US" dirty="0" smtClean="0">
+                <a:solidFill>
+                  <a:srgbClr val="FF0000"/>
+                </a:solidFill>
+                <a:latin typeface="Cambria Math" panose="02040503050406030204" pitchFamily="18" charset="0"/>
+                <a:ea typeface="Cambria Math" panose="02040503050406030204" pitchFamily="18" charset="0"/>
+              </a:rPr>
+              <a:t>支持，开始支持猪三</a:t>
+            </a:r>
+            <a:endParaRPr lang="en-US" altLang="zh-CN" dirty="0" smtClean="0">
+              <a:solidFill>
+                <a:srgbClr val="FF0000"/>
+              </a:solidFill>
+              <a:latin typeface="Cambria Math" panose="02040503050406030204" pitchFamily="18" charset="0"/>
+              <a:ea typeface="Cambria Math" panose="02040503050406030204" pitchFamily="18" charset="0"/>
+            </a:endParaRPr>
+          </a:p>
+          <a:p>
+            <a:r>
+              <a:rPr lang="en-US" altLang="zh-CN" dirty="0" smtClean="0">
+                <a:solidFill>
+                  <a:srgbClr val="FF0000"/>
+                </a:solidFill>
+                <a:latin typeface="Cambria Math" panose="02040503050406030204" pitchFamily="18" charset="0"/>
+                <a:ea typeface="Cambria Math" panose="02040503050406030204" pitchFamily="18" charset="0"/>
+              </a:rPr>
+              <a:t>0.72.18		</a:t>
+            </a:r>
+            <a:r>
+              <a:rPr lang="zh-CN" altLang="en-US" dirty="0" smtClean="0">
+                <a:solidFill>
+                  <a:srgbClr val="FF0000"/>
+                </a:solidFill>
+                <a:latin typeface="Cambria Math" panose="02040503050406030204" pitchFamily="18" charset="0"/>
+                <a:ea typeface="Cambria Math" panose="02040503050406030204" pitchFamily="18" charset="0"/>
+              </a:rPr>
+              <a:t>完全支持前传，连续为前传更新</a:t>
+            </a:r>
+            <a:endParaRPr lang="en-US" altLang="zh-CN" dirty="0" smtClean="0">
+              <a:solidFill>
+                <a:srgbClr val="FF0000"/>
+              </a:solidFill>
+              <a:latin typeface="Cambria Math" panose="02040503050406030204" pitchFamily="18" charset="0"/>
+              <a:ea typeface="Cambria Math" panose="02040503050406030204" pitchFamily="18" charset="0"/>
+            </a:endParaRPr>
+          </a:p>
+          <a:p>
+            <a:r>
+              <a:rPr lang="en-US" altLang="zh-CN" dirty="0" smtClean="0">
+                <a:solidFill>
+                  <a:srgbClr val="FF0000"/>
+                </a:solidFill>
+                <a:latin typeface="Cambria Math" panose="02040503050406030204" pitchFamily="18" charset="0"/>
+                <a:ea typeface="Cambria Math" panose="02040503050406030204" pitchFamily="18" charset="0"/>
+              </a:rPr>
+              <a:t>0.72.18pig3	</a:t>
+            </a:r>
+            <a:r>
+              <a:rPr lang="zh-CN" altLang="en-US" dirty="0" smtClean="0">
+                <a:solidFill>
+                  <a:srgbClr val="FF0000"/>
+                </a:solidFill>
+                <a:latin typeface="Cambria Math" panose="02040503050406030204" pitchFamily="18" charset="0"/>
+                <a:ea typeface="Cambria Math" panose="02040503050406030204" pitchFamily="18" charset="0"/>
+              </a:rPr>
+              <a:t>完全支持国庆版</a:t>
+            </a:r>
+            <a:endParaRPr lang="en-US" altLang="zh-CN" dirty="0" smtClean="0">
+              <a:solidFill>
+                <a:srgbClr val="FF0000"/>
+              </a:solidFill>
+              <a:latin typeface="Cambria Math" panose="02040503050406030204" pitchFamily="18" charset="0"/>
+              <a:ea typeface="Cambria Math" panose="02040503050406030204" pitchFamily="18" charset="0"/>
+            </a:endParaRPr>
+          </a:p>
+          <a:p>
+            <a:r>
+              <a:rPr lang="en-US" altLang="zh-CN" dirty="0" smtClean="0">
+                <a:solidFill>
+                  <a:srgbClr val="FF0000"/>
+                </a:solidFill>
+                <a:latin typeface="Cambria Math" panose="02040503050406030204" pitchFamily="18" charset="0"/>
+                <a:ea typeface="Cambria Math" panose="02040503050406030204" pitchFamily="18" charset="0"/>
+              </a:rPr>
+              <a:t>0.72.19		</a:t>
+            </a:r>
+            <a:r>
+              <a:rPr lang="zh-CN" altLang="en-US" dirty="0" smtClean="0">
+                <a:solidFill>
+                  <a:srgbClr val="FF0000"/>
+                </a:solidFill>
+                <a:latin typeface="Cambria Math" panose="02040503050406030204" pitchFamily="18" charset="0"/>
+                <a:ea typeface="Cambria Math" panose="02040503050406030204" pitchFamily="18" charset="0"/>
+              </a:rPr>
+              <a:t>最稳定版本，完全支持前传，支持</a:t>
+            </a:r>
+            <a:r>
+              <a:rPr lang="en-US" altLang="zh-CN" dirty="0" smtClean="0">
+                <a:solidFill>
+                  <a:srgbClr val="FF0000"/>
+                </a:solidFill>
+                <a:latin typeface="Cambria Math" panose="02040503050406030204" pitchFamily="18" charset="0"/>
+                <a:ea typeface="Cambria Math" panose="02040503050406030204" pitchFamily="18" charset="0"/>
+              </a:rPr>
+              <a:t>pic</a:t>
+            </a:r>
+          </a:p>
+          <a:p>
+            <a:r>
+              <a:rPr lang="en-US" altLang="zh-CN" dirty="0" smtClean="0">
+                <a:solidFill>
+                  <a:srgbClr val="FF0000"/>
+                </a:solidFill>
+                <a:latin typeface="Cambria Math" panose="02040503050406030204" pitchFamily="18" charset="0"/>
+                <a:ea typeface="Cambria Math" panose="02040503050406030204" pitchFamily="18" charset="0"/>
+              </a:rPr>
+              <a:t>0.72.20		</a:t>
+            </a:r>
+            <a:r>
+              <a:rPr lang="zh-CN" altLang="en-US" dirty="0" smtClean="0">
+                <a:solidFill>
+                  <a:srgbClr val="FF0000"/>
+                </a:solidFill>
+                <a:latin typeface="Cambria Math" panose="02040503050406030204" pitchFamily="18" charset="0"/>
+                <a:ea typeface="Cambria Math" panose="02040503050406030204" pitchFamily="18" charset="0"/>
+              </a:rPr>
+              <a:t>完全支持前传衍生，支持导入导出</a:t>
+            </a:r>
+            <a:r>
+              <a:rPr lang="en-US" altLang="zh-CN" dirty="0" err="1" smtClean="0">
+                <a:solidFill>
+                  <a:srgbClr val="FF0000"/>
+                </a:solidFill>
+                <a:latin typeface="Cambria Math" panose="02040503050406030204" pitchFamily="18" charset="0"/>
+                <a:ea typeface="Cambria Math" panose="02040503050406030204" pitchFamily="18" charset="0"/>
+              </a:rPr>
+              <a:t>xls</a:t>
+            </a:r>
+            <a:endParaRPr lang="en-US" altLang="zh-CN" dirty="0" smtClean="0">
+              <a:solidFill>
+                <a:srgbClr val="FF0000"/>
+              </a:solidFill>
+              <a:latin typeface="Cambria Math" panose="02040503050406030204" pitchFamily="18" charset="0"/>
+              <a:ea typeface="Cambria Math" panose="02040503050406030204" pitchFamily="18" charset="0"/>
+            </a:endParaRPr>
+          </a:p>
+          <a:p>
+            <a:r>
+              <a:rPr lang="en-US" altLang="zh-CN" dirty="0" smtClean="0">
+                <a:solidFill>
+                  <a:srgbClr val="FF0000"/>
+                </a:solidFill>
+                <a:latin typeface="Cambria Math" panose="02040503050406030204" pitchFamily="18" charset="0"/>
+                <a:ea typeface="Cambria Math" panose="02040503050406030204" pitchFamily="18" charset="0"/>
+              </a:rPr>
+              <a:t>0.72.21		</a:t>
+            </a:r>
+            <a:r>
+              <a:rPr lang="zh-CN" altLang="en-US" dirty="0" smtClean="0">
+                <a:solidFill>
+                  <a:srgbClr val="FF0000"/>
+                </a:solidFill>
+                <a:latin typeface="Cambria Math" panose="02040503050406030204" pitchFamily="18" charset="0"/>
+                <a:ea typeface="Cambria Math" panose="02040503050406030204" pitchFamily="18" charset="0"/>
+              </a:rPr>
+              <a:t>对</a:t>
+            </a:r>
+            <a:r>
+              <a:rPr lang="en-US" altLang="zh-CN" dirty="0" err="1" smtClean="0">
+                <a:solidFill>
+                  <a:srgbClr val="FF0000"/>
+                </a:solidFill>
+                <a:latin typeface="Cambria Math" panose="02040503050406030204" pitchFamily="18" charset="0"/>
+                <a:ea typeface="Cambria Math" panose="02040503050406030204" pitchFamily="18" charset="0"/>
+              </a:rPr>
+              <a:t>rle</a:t>
+            </a:r>
+            <a:r>
+              <a:rPr lang="zh-CN" altLang="en-US" dirty="0" smtClean="0">
+                <a:solidFill>
+                  <a:srgbClr val="FF0000"/>
+                </a:solidFill>
+                <a:latin typeface="Cambria Math" panose="02040503050406030204" pitchFamily="18" charset="0"/>
+                <a:ea typeface="Cambria Math" panose="02040503050406030204" pitchFamily="18" charset="0"/>
+              </a:rPr>
+              <a:t>算法做了优化，支持场景撤销</a:t>
+            </a:r>
+            <a:endParaRPr lang="en-US" altLang="zh-CN" dirty="0" smtClean="0">
+              <a:solidFill>
+                <a:srgbClr val="FF0000"/>
+              </a:solidFill>
+              <a:latin typeface="Cambria Math" panose="02040503050406030204" pitchFamily="18" charset="0"/>
+              <a:ea typeface="Cambria Math" panose="02040503050406030204" pitchFamily="18" charset="0"/>
+            </a:endParaRPr>
+          </a:p>
+          <a:p>
+            <a:r>
+              <a:rPr lang="en-US" altLang="zh-CN" dirty="0" smtClean="0">
+                <a:solidFill>
+                  <a:srgbClr val="FF0000"/>
+                </a:solidFill>
+                <a:latin typeface="Cambria Math" panose="02040503050406030204" pitchFamily="18" charset="0"/>
+                <a:ea typeface="Cambria Math" panose="02040503050406030204" pitchFamily="18" charset="0"/>
+              </a:rPr>
+              <a:t>0.72.22		</a:t>
+            </a:r>
+            <a:r>
+              <a:rPr lang="zh-CN" altLang="en-US" dirty="0" smtClean="0">
+                <a:solidFill>
+                  <a:srgbClr val="FF0000"/>
+                </a:solidFill>
+                <a:latin typeface="Cambria Math" panose="02040503050406030204" pitchFamily="18" charset="0"/>
+                <a:ea typeface="Cambria Math" panose="02040503050406030204" pitchFamily="18" charset="0"/>
+              </a:rPr>
+              <a:t>完全支持脚本事件至事件，目前终版</a:t>
             </a:r>
             <a:endParaRPr lang="zh-CN" altLang="en-US" dirty="0">
               <a:solidFill>

--- a/引擎沿革.pptx
+++ b/引擎沿革.pptx
@@ -3615,41 +3615,6 @@
           </a:fontRef>
         </p:style>
       </p:cxnSp>
-      <p:cxnSp>
-        <p:nvCxnSpPr>
-          <p:cNvPr id="35" name="直接箭头连接符 34"/>
-          <p:cNvCxnSpPr>
-            <a:stCxn id="21" idx="2"/>
-          </p:cNvCxnSpPr>
-          <p:nvPr/>
-        </p:nvCxnSpPr>
-        <p:spPr>
-          <a:xfrm flipH="1">
-            <a:off x="4378177" y="4792181"/>
-            <a:ext cx="529139" cy="719962"/>
-          </a:xfrm>
-          <a:prstGeom prst="straightConnector1">
-            <a:avLst/>
-          </a:prstGeom>
-          <a:ln>
-            <a:tailEnd type="triangle"/>
-          </a:ln>
-        </p:spPr>
-        <p:style>
-          <a:lnRef idx="1">
-            <a:schemeClr val="accent1"/>
-          </a:lnRef>
-          <a:fillRef idx="0">
-            <a:schemeClr val="accent1"/>
-          </a:fillRef>
-          <a:effectRef idx="0">
-            <a:schemeClr val="accent1"/>
-          </a:effectRef>
-          <a:fontRef idx="minor">
-            <a:schemeClr val="tx1"/>
-          </a:fontRef>
-        </p:style>
-      </p:cxnSp>
       <p:sp>
         <p:nvSpPr>
           <p:cNvPr id="36" name="文本框 35"/>
@@ -3658,7 +3623,7 @@
         </p:nvSpPr>
         <p:spPr>
           <a:xfrm>
-            <a:off x="3900989" y="5514057"/>
+            <a:off x="3902650" y="5347434"/>
             <a:ext cx="1012521" cy="369332"/>
           </a:xfrm>
           <a:prstGeom prst="rect">
@@ -4501,21 +4466,7 @@
                 <a:latin typeface="Cambria Math" panose="02040503050406030204" pitchFamily="18" charset="0"/>
                 <a:ea typeface="苹方 中等" panose="020B0400000000000000" pitchFamily="34" charset="-122"/>
               </a:rPr>
-              <a:t>斜体表示剧情基于苍龙</a:t>
-            </a:r>
-            <a:r>
-              <a:rPr lang="zh-CN" altLang="en-US" sz="1600" i="1" dirty="0" smtClean="0">
-                <a:effectLst>
-                  <a:outerShdw blurRad="38100" dist="38100" dir="2700000" algn="tl">
-                    <a:srgbClr val="000000">
-                      <a:alpha val="43137"/>
-                    </a:srgbClr>
-                  </a:outerShdw>
-                </a:effectLst>
-                <a:latin typeface="Cambria Math" panose="02040503050406030204" pitchFamily="18" charset="0"/>
-                <a:ea typeface="苹方 中等" panose="020B0400000000000000" pitchFamily="34" charset="-122"/>
-              </a:rPr>
-              <a:t>逐日</a:t>
+              <a:t>斜体表示剧情基于苍龙逐日</a:t>
             </a:r>
             <a:endParaRPr lang="en-US" altLang="zh-CN" sz="1600" i="1" dirty="0" smtClean="0">
               <a:effectLst>
@@ -4928,8 +4879,8 @@
         </p:nvCxnSpPr>
         <p:spPr>
           <a:xfrm>
-            <a:off x="4407250" y="5883389"/>
-            <a:ext cx="3416" cy="388630"/>
+            <a:off x="4408911" y="5716766"/>
+            <a:ext cx="1755" cy="555253"/>
           </a:xfrm>
           <a:prstGeom prst="straightConnector1">
             <a:avLst/>
@@ -5033,13 +4984,15 @@
       <p:cxnSp>
         <p:nvCxnSpPr>
           <p:cNvPr id="50" name="直接箭头连接符 49"/>
-          <p:cNvCxnSpPr/>
+          <p:cNvCxnSpPr>
+            <a:endCxn id="53" idx="0"/>
+          </p:cNvCxnSpPr>
           <p:nvPr/>
         </p:nvCxnSpPr>
         <p:spPr>
           <a:xfrm>
-            <a:off x="5099240" y="4832164"/>
-            <a:ext cx="423337" cy="688932"/>
+            <a:off x="5123584" y="4814338"/>
+            <a:ext cx="473643" cy="583429"/>
           </a:xfrm>
           <a:prstGeom prst="straightConnector1">
             <a:avLst/>
@@ -5071,7 +5024,7 @@
         </p:nvSpPr>
         <p:spPr>
           <a:xfrm>
-            <a:off x="5207670" y="5561079"/>
+            <a:off x="5274061" y="5397767"/>
             <a:ext cx="646331" cy="369332"/>
           </a:xfrm>
           <a:prstGeom prst="rect">
@@ -5099,6 +5052,41 @@
           </a:p>
         </p:txBody>
       </p:sp>
+      <p:cxnSp>
+        <p:nvCxnSpPr>
+          <p:cNvPr id="48" name="直接箭头连接符 47"/>
+          <p:cNvCxnSpPr>
+            <a:endCxn id="36" idx="0"/>
+          </p:cNvCxnSpPr>
+          <p:nvPr/>
+        </p:nvCxnSpPr>
+        <p:spPr>
+          <a:xfrm flipH="1">
+            <a:off x="4408911" y="4814338"/>
+            <a:ext cx="361557" cy="533096"/>
+          </a:xfrm>
+          <a:prstGeom prst="straightConnector1">
+            <a:avLst/>
+          </a:prstGeom>
+          <a:ln>
+            <a:tailEnd type="triangle"/>
+          </a:ln>
+        </p:spPr>
+        <p:style>
+          <a:lnRef idx="1">
+            <a:schemeClr val="accent1"/>
+          </a:lnRef>
+          <a:fillRef idx="0">
+            <a:schemeClr val="accent1"/>
+          </a:fillRef>
+          <a:effectRef idx="0">
+            <a:schemeClr val="accent1"/>
+          </a:effectRef>
+          <a:fontRef idx="minor">
+            <a:schemeClr val="tx1"/>
+          </a:fontRef>
+        </p:style>
+      </p:cxnSp>
     </p:spTree>
     <p:extLst>
       <p:ext uri="{BB962C8B-B14F-4D97-AF65-F5344CB8AC3E}">

--- a/引擎沿革.pptx
+++ b/引擎沿革.pptx
@@ -244,7 +244,7 @@
           <a:p>
             <a:fld id="{08C90766-89C5-48FA-9E1C-F74750F8CE90}" type="datetimeFigureOut">
               <a:rPr lang="zh-CN" altLang="en-US" smtClean="0"/>
-              <a:t>2016/4/3 Sunday</a:t>
+              <a:t>2018/7/12</a:t>
             </a:fld>
             <a:endParaRPr lang="zh-CN" altLang="en-US"/>
           </a:p>
@@ -414,7 +414,7 @@
           <a:p>
             <a:fld id="{08C90766-89C5-48FA-9E1C-F74750F8CE90}" type="datetimeFigureOut">
               <a:rPr lang="zh-CN" altLang="en-US" smtClean="0"/>
-              <a:t>2016/4/3 Sunday</a:t>
+              <a:t>2018/7/12</a:t>
             </a:fld>
             <a:endParaRPr lang="zh-CN" altLang="en-US"/>
           </a:p>
@@ -594,7 +594,7 @@
           <a:p>
             <a:fld id="{08C90766-89C5-48FA-9E1C-F74750F8CE90}" type="datetimeFigureOut">
               <a:rPr lang="zh-CN" altLang="en-US" smtClean="0"/>
-              <a:t>2016/4/3 Sunday</a:t>
+              <a:t>2018/7/12</a:t>
             </a:fld>
             <a:endParaRPr lang="zh-CN" altLang="en-US"/>
           </a:p>
@@ -764,7 +764,7 @@
           <a:p>
             <a:fld id="{08C90766-89C5-48FA-9E1C-F74750F8CE90}" type="datetimeFigureOut">
               <a:rPr lang="zh-CN" altLang="en-US" smtClean="0"/>
-              <a:t>2016/4/3 Sunday</a:t>
+              <a:t>2018/7/12</a:t>
             </a:fld>
             <a:endParaRPr lang="zh-CN" altLang="en-US"/>
           </a:p>
@@ -1010,7 +1010,7 @@
           <a:p>
             <a:fld id="{08C90766-89C5-48FA-9E1C-F74750F8CE90}" type="datetimeFigureOut">
               <a:rPr lang="zh-CN" altLang="en-US" smtClean="0"/>
-              <a:t>2016/4/3 Sunday</a:t>
+              <a:t>2018/7/12</a:t>
             </a:fld>
             <a:endParaRPr lang="zh-CN" altLang="en-US"/>
           </a:p>
@@ -1242,7 +1242,7 @@
           <a:p>
             <a:fld id="{08C90766-89C5-48FA-9E1C-F74750F8CE90}" type="datetimeFigureOut">
               <a:rPr lang="zh-CN" altLang="en-US" smtClean="0"/>
-              <a:t>2016/4/3 Sunday</a:t>
+              <a:t>2018/7/12</a:t>
             </a:fld>
             <a:endParaRPr lang="zh-CN" altLang="en-US"/>
           </a:p>
@@ -1609,7 +1609,7 @@
           <a:p>
             <a:fld id="{08C90766-89C5-48FA-9E1C-F74750F8CE90}" type="datetimeFigureOut">
               <a:rPr lang="zh-CN" altLang="en-US" smtClean="0"/>
-              <a:t>2016/4/3 Sunday</a:t>
+              <a:t>2018/7/12</a:t>
             </a:fld>
             <a:endParaRPr lang="zh-CN" altLang="en-US"/>
           </a:p>
@@ -1727,7 +1727,7 @@
           <a:p>
             <a:fld id="{08C90766-89C5-48FA-9E1C-F74750F8CE90}" type="datetimeFigureOut">
               <a:rPr lang="zh-CN" altLang="en-US" smtClean="0"/>
-              <a:t>2016/4/3 Sunday</a:t>
+              <a:t>2018/7/12</a:t>
             </a:fld>
             <a:endParaRPr lang="zh-CN" altLang="en-US"/>
           </a:p>
@@ -1822,7 +1822,7 @@
           <a:p>
             <a:fld id="{08C90766-89C5-48FA-9E1C-F74750F8CE90}" type="datetimeFigureOut">
               <a:rPr lang="zh-CN" altLang="en-US" smtClean="0"/>
-              <a:t>2016/4/3 Sunday</a:t>
+              <a:t>2018/7/12</a:t>
             </a:fld>
             <a:endParaRPr lang="zh-CN" altLang="en-US"/>
           </a:p>
@@ -2099,7 +2099,7 @@
           <a:p>
             <a:fld id="{08C90766-89C5-48FA-9E1C-F74750F8CE90}" type="datetimeFigureOut">
               <a:rPr lang="zh-CN" altLang="en-US" smtClean="0"/>
-              <a:t>2016/4/3 Sunday</a:t>
+              <a:t>2018/7/12</a:t>
             </a:fld>
             <a:endParaRPr lang="zh-CN" altLang="en-US"/>
           </a:p>
@@ -2352,7 +2352,7 @@
           <a:p>
             <a:fld id="{08C90766-89C5-48FA-9E1C-F74750F8CE90}" type="datetimeFigureOut">
               <a:rPr lang="zh-CN" altLang="en-US" smtClean="0"/>
-              <a:t>2016/4/3 Sunday</a:t>
+              <a:t>2018/7/12</a:t>
             </a:fld>
             <a:endParaRPr lang="zh-CN" altLang="en-US"/>
           </a:p>
@@ -2565,7 +2565,7 @@
           <a:p>
             <a:fld id="{08C90766-89C5-48FA-9E1C-F74750F8CE90}" type="datetimeFigureOut">
               <a:rPr lang="zh-CN" altLang="en-US" smtClean="0"/>
-              <a:t>2016/4/3 Sunday</a:t>
+              <a:t>2018/7/12</a:t>
             </a:fld>
             <a:endParaRPr lang="zh-CN" altLang="en-US"/>
           </a:p>
@@ -4574,7 +4574,7 @@
         <p:spPr>
           <a:xfrm>
             <a:off x="9349274" y="3614508"/>
-            <a:ext cx="1107996" cy="2031325"/>
+            <a:ext cx="1107996" cy="2308324"/>
           </a:xfrm>
           <a:prstGeom prst="rect">
             <a:avLst/>
@@ -4708,12 +4708,35 @@
           </a:p>
           <a:p>
             <a:r>
-              <a:rPr lang="zh-CN" altLang="en-US" i="1" u="sng" dirty="0">
+              <a:rPr lang="zh-CN" altLang="en-US" i="1" u="sng" dirty="0" smtClean="0">
                 <a:latin typeface="Cambria Math" panose="02040503050406030204" pitchFamily="18" charset="0"/>
                 <a:ea typeface="苹方 中等" panose="020B0400000000000000" pitchFamily="34" charset="-122"/>
               </a:rPr>
               <a:t>穿越</a:t>
             </a:r>
+            <a:endParaRPr lang="en-US" altLang="zh-CN" i="1" u="sng" dirty="0" smtClean="0">
+              <a:latin typeface="Cambria Math" panose="02040503050406030204" pitchFamily="18" charset="0"/>
+              <a:ea typeface="苹方 中等" panose="020B0400000000000000" pitchFamily="34" charset="-122"/>
+            </a:endParaRPr>
+          </a:p>
+          <a:p>
+            <a:r>
+              <a:rPr lang="zh-CN" altLang="en-US" i="1" dirty="0">
+                <a:solidFill>
+                  <a:srgbClr val="FF0000"/>
+                </a:solidFill>
+                <a:latin typeface="Cambria Math" panose="02040503050406030204" pitchFamily="18" charset="0"/>
+                <a:ea typeface="苹方 中等" panose="020B0400000000000000" pitchFamily="34" charset="-122"/>
+              </a:rPr>
+              <a:t>黑山</a:t>
+            </a:r>
+            <a:endParaRPr lang="zh-CN" altLang="en-US" i="1" dirty="0">
+              <a:solidFill>
+                <a:srgbClr val="FF0000"/>
+              </a:solidFill>
+              <a:latin typeface="Cambria Math" panose="02040503050406030204" pitchFamily="18" charset="0"/>
+              <a:ea typeface="苹方 中等" panose="020B0400000000000000" pitchFamily="34" charset="-122"/>
+            </a:endParaRPr>
           </a:p>
         </p:txBody>
       </p:sp>
@@ -5087,6 +5110,119 @@
           </a:fontRef>
         </p:style>
       </p:cxnSp>
+      <p:cxnSp>
+        <p:nvCxnSpPr>
+          <p:cNvPr id="7" name="直接箭头连接符 6"/>
+          <p:cNvCxnSpPr/>
+          <p:nvPr/>
+        </p:nvCxnSpPr>
+        <p:spPr>
+          <a:xfrm>
+            <a:off x="10141527" y="5716766"/>
+            <a:ext cx="881149" cy="0"/>
+          </a:xfrm>
+          <a:prstGeom prst="straightConnector1">
+            <a:avLst/>
+          </a:prstGeom>
+          <a:ln>
+            <a:tailEnd type="triangle"/>
+          </a:ln>
+        </p:spPr>
+        <p:style>
+          <a:lnRef idx="1">
+            <a:schemeClr val="accent1"/>
+          </a:lnRef>
+          <a:fillRef idx="0">
+            <a:schemeClr val="accent1"/>
+          </a:fillRef>
+          <a:effectRef idx="0">
+            <a:schemeClr val="accent1"/>
+          </a:effectRef>
+          <a:fontRef idx="minor">
+            <a:schemeClr val="tx1"/>
+          </a:fontRef>
+        </p:style>
+      </p:cxnSp>
+      <p:sp>
+        <p:nvSpPr>
+          <p:cNvPr id="10" name="文本框 9"/>
+          <p:cNvSpPr txBox="1"/>
+          <p:nvPr/>
+        </p:nvSpPr>
+        <p:spPr>
+          <a:xfrm>
+            <a:off x="11022676" y="5255101"/>
+            <a:ext cx="877163" cy="923330"/>
+          </a:xfrm>
+          <a:prstGeom prst="rect">
+            <a:avLst/>
+          </a:prstGeom>
+          <a:noFill/>
+        </p:spPr>
+        <p:txBody>
+          <a:bodyPr wrap="none" rtlCol="0">
+            <a:spAutoFit/>
+          </a:bodyPr>
+          <a:lstStyle/>
+          <a:p>
+            <a:r>
+              <a:rPr lang="zh-CN" altLang="en-US" i="1" dirty="0">
+                <a:solidFill>
+                  <a:srgbClr val="FF0000"/>
+                </a:solidFill>
+                <a:latin typeface="Cambria Math" panose="02040503050406030204" pitchFamily="18" charset="0"/>
+                <a:ea typeface="苹方 中等" panose="020B0400000000000000" pitchFamily="34" charset="-122"/>
+              </a:rPr>
+              <a:t>黑鱼</a:t>
+            </a:r>
+            <a:endParaRPr lang="en-US" altLang="zh-CN" i="1" dirty="0">
+              <a:solidFill>
+                <a:srgbClr val="FF0000"/>
+              </a:solidFill>
+              <a:latin typeface="Cambria Math" panose="02040503050406030204" pitchFamily="18" charset="0"/>
+              <a:ea typeface="苹方 中等" panose="020B0400000000000000" pitchFamily="34" charset="-122"/>
+            </a:endParaRPr>
+          </a:p>
+          <a:p>
+            <a:r>
+              <a:rPr lang="zh-CN" altLang="en-US" i="1" dirty="0">
+                <a:solidFill>
+                  <a:srgbClr val="FF0000"/>
+                </a:solidFill>
+                <a:latin typeface="Cambria Math" panose="02040503050406030204" pitchFamily="18" charset="0"/>
+                <a:ea typeface="苹方 中等" panose="020B0400000000000000" pitchFamily="34" charset="-122"/>
+              </a:rPr>
+              <a:t>金书</a:t>
+            </a:r>
+            <a:endParaRPr lang="en-US" altLang="zh-CN" i="1" dirty="0">
+              <a:solidFill>
+                <a:srgbClr val="FF0000"/>
+              </a:solidFill>
+              <a:latin typeface="Cambria Math" panose="02040503050406030204" pitchFamily="18" charset="0"/>
+              <a:ea typeface="苹方 中等" panose="020B0400000000000000" pitchFamily="34" charset="-122"/>
+            </a:endParaRPr>
+          </a:p>
+          <a:p>
+            <a:r>
+              <a:rPr lang="zh-CN" altLang="en-US" i="1" dirty="0">
+                <a:solidFill>
+                  <a:srgbClr val="FF0000"/>
+                </a:solidFill>
+                <a:latin typeface="Cambria Math" panose="02040503050406030204" pitchFamily="18" charset="0"/>
+                <a:ea typeface="苹方 中等" panose="020B0400000000000000" pitchFamily="34" charset="-122"/>
+              </a:rPr>
+              <a:t>新畅想</a:t>
+            </a:r>
+            <a:endParaRPr lang="zh-CN" altLang="en-US" i="1" dirty="0">
+              <a:solidFill>
+                <a:srgbClr val="FF0000"/>
+              </a:solidFill>
+              <a:latin typeface="Cambria Math" panose="02040503050406030204" pitchFamily="18" charset="0"/>
+              <a:ea typeface="苹方 中等" panose="020B0400000000000000" pitchFamily="34" charset="-122"/>
+            </a:endParaRPr>
+          </a:p>
+        </p:txBody>
+      </p:sp>
     </p:spTree>
     <p:extLst>
       <p:ext uri="{BB962C8B-B14F-4D97-AF65-F5344CB8AC3E}">
